--- a/模板.pptx
+++ b/模板.pptx
@@ -5,10 +5,14 @@
     <p:sldMasterId id="2147483660" r:id="rId1"/>
   </p:sldMasterIdLst>
   <p:notesMasterIdLst>
-    <p:notesMasterId r:id="rId3"/>
+    <p:notesMasterId r:id="rId7"/>
   </p:notesMasterIdLst>
   <p:sldIdLst>
     <p:sldId id="256" r:id="rId2"/>
+    <p:sldId id="257" r:id="rId3"/>
+    <p:sldId id="258" r:id="rId4"/>
+    <p:sldId id="259" r:id="rId5"/>
+    <p:sldId id="260" r:id="rId6"/>
   </p:sldIdLst>
   <p:sldSz cx="12192000" cy="6858000"/>
   <p:notesSz cx="6858000" cy="9144000"/>
@@ -107,6 +111,11 @@
       </a:defRPr>
     </a:lvl9pPr>
   </p:defaultTextStyle>
+  <p:extLst>
+    <p:ext uri="{EFAFB233-063F-42B5-8137-9DF3F51BA10A}">
+      <p15:sldGuideLst xmlns:p15="http://schemas.microsoft.com/office/powerpoint/2012/main"/>
+    </p:ext>
+  </p:extLst>
 </p:presentation>
 </file>
 
@@ -192,7 +201,7 @@
           <a:p>
             <a:fld id="{A95DAAA7-2421-4796-B52D-4C2B2BDF460B}" type="datetimeFigureOut">
               <a:rPr lang="zh-CN" altLang="en-US" smtClean="0"/>
-              <a:t>2024/11/14</a:t>
+              <a:t>2024/12/6</a:t>
             </a:fld>
             <a:endParaRPr lang="zh-CN" altLang="en-US"/>
           </a:p>
@@ -2489,7 +2498,10 @@
           <a:bodyPr/>
           <a:lstStyle/>
           <a:p>
-            <a:endParaRPr lang="zh-CN" altLang="en-US"/>
+            <a:r>
+              <a:rPr lang="zh-CN" altLang="en-US" dirty="0"/>
+              <a:t>工作总结</a:t>
+            </a:r>
           </a:p>
         </p:txBody>
       </p:sp>
@@ -2522,6 +2534,425 @@
     <p:extLst>
       <p:ext uri="{BB962C8B-B14F-4D97-AF65-F5344CB8AC3E}">
         <p14:creationId xmlns:p14="http://schemas.microsoft.com/office/powerpoint/2010/main" val="1262576849"/>
+      </p:ext>
+    </p:extLst>
+  </p:cSld>
+  <p:clrMapOvr>
+    <a:masterClrMapping/>
+  </p:clrMapOvr>
+</p:sld>
+</file>
+
+<file path=ppt/slides/slide2.xml><?xml version="1.0" encoding="utf-8"?>
+<p:sld xmlns:a="http://schemas.openxmlformats.org/drawingml/2006/main" xmlns:r="http://schemas.openxmlformats.org/officeDocument/2006/relationships" xmlns:p="http://schemas.openxmlformats.org/presentationml/2006/main">
+  <p:cSld>
+    <p:spTree>
+      <p:nvGrpSpPr>
+        <p:cNvPr id="1" name=""/>
+        <p:cNvGrpSpPr/>
+        <p:nvPr/>
+      </p:nvGrpSpPr>
+      <p:grpSpPr>
+        <a:xfrm>
+          <a:off x="0" y="0"/>
+          <a:ext cx="0" cy="0"/>
+          <a:chOff x="0" y="0"/>
+          <a:chExt cx="0" cy="0"/>
+        </a:xfrm>
+      </p:grpSpPr>
+      <p:sp>
+        <p:nvSpPr>
+          <p:cNvPr id="3" name="标题 2">
+            <a:extLst>
+              <a:ext uri="{FF2B5EF4-FFF2-40B4-BE49-F238E27FC236}">
+                <a16:creationId xmlns:a16="http://schemas.microsoft.com/office/drawing/2014/main" id="{526194DA-7A54-3BE7-FF29-421128135BBF}"/>
+              </a:ext>
+            </a:extLst>
+          </p:cNvPr>
+          <p:cNvSpPr>
+            <a:spLocks noGrp="1"/>
+          </p:cNvSpPr>
+          <p:nvPr>
+            <p:ph type="title"/>
+          </p:nvPr>
+        </p:nvSpPr>
+        <p:spPr/>
+        <p:txBody>
+          <a:bodyPr/>
+          <a:lstStyle/>
+          <a:p>
+            <a:r>
+              <a:rPr lang="zh-CN" altLang="en-US" dirty="0"/>
+              <a:t>观测数据的多表合并</a:t>
+            </a:r>
+          </a:p>
+        </p:txBody>
+      </p:sp>
+      <p:sp>
+        <p:nvSpPr>
+          <p:cNvPr id="4" name="内容占位符 3">
+            <a:extLst>
+              <a:ext uri="{FF2B5EF4-FFF2-40B4-BE49-F238E27FC236}">
+                <a16:creationId xmlns:a16="http://schemas.microsoft.com/office/drawing/2014/main" id="{A1BC5607-C514-72AC-BEA8-8EDA6295153A}"/>
+              </a:ext>
+            </a:extLst>
+          </p:cNvPr>
+          <p:cNvSpPr>
+            <a:spLocks noGrp="1"/>
+          </p:cNvSpPr>
+          <p:nvPr>
+            <p:ph idx="1"/>
+          </p:nvPr>
+        </p:nvSpPr>
+        <p:spPr/>
+        <p:txBody>
+          <a:bodyPr/>
+          <a:lstStyle/>
+          <a:p>
+            <a:r>
+              <a:rPr lang="zh-CN" altLang="en-US" dirty="0"/>
+              <a:t>伽利略卫星</a:t>
+            </a:r>
+            <a:endParaRPr lang="en-US" altLang="zh-CN" dirty="0"/>
+          </a:p>
+          <a:p>
+            <a:pPr lvl="1"/>
+            <a:r>
+              <a:rPr lang="en-US" altLang="zh-CN" dirty="0"/>
+              <a:t>Jg0001….</a:t>
+            </a:r>
+          </a:p>
+          <a:p>
+            <a:r>
+              <a:rPr lang="zh-CN" altLang="en-US" dirty="0"/>
+              <a:t>木星内部</a:t>
+            </a:r>
+            <a:endParaRPr lang="en-US" altLang="zh-CN" dirty="0"/>
+          </a:p>
+          <a:p>
+            <a:pPr lvl="1"/>
+            <a:r>
+              <a:rPr lang="en-US" altLang="zh-CN" dirty="0"/>
+              <a:t>Ji0001….</a:t>
+            </a:r>
+          </a:p>
+          <a:p>
+            <a:r>
+              <a:rPr lang="zh-CN" altLang="en-US" dirty="0"/>
+              <a:t>木星外部</a:t>
+            </a:r>
+            <a:endParaRPr lang="en-US" altLang="zh-CN" dirty="0"/>
+          </a:p>
+          <a:p>
+            <a:pPr lvl="1"/>
+            <a:r>
+              <a:rPr lang="en-US" altLang="zh-CN" dirty="0"/>
+              <a:t>Jo0001….</a:t>
+            </a:r>
+          </a:p>
+          <a:p>
+            <a:pPr marL="0" indent="0">
+              <a:buNone/>
+            </a:pPr>
+            <a:endParaRPr lang="zh-CN" altLang="en-US" dirty="0"/>
+          </a:p>
+        </p:txBody>
+      </p:sp>
+    </p:spTree>
+    <p:extLst>
+      <p:ext uri="{BB962C8B-B14F-4D97-AF65-F5344CB8AC3E}">
+        <p14:creationId xmlns:p14="http://schemas.microsoft.com/office/powerpoint/2010/main" val="2990281350"/>
+      </p:ext>
+    </p:extLst>
+  </p:cSld>
+  <p:clrMapOvr>
+    <a:masterClrMapping/>
+  </p:clrMapOvr>
+</p:sld>
+</file>
+
+<file path=ppt/slides/slide3.xml><?xml version="1.0" encoding="utf-8"?>
+<p:sld xmlns:a="http://schemas.openxmlformats.org/drawingml/2006/main" xmlns:r="http://schemas.openxmlformats.org/officeDocument/2006/relationships" xmlns:p="http://schemas.openxmlformats.org/presentationml/2006/main">
+  <p:cSld>
+    <p:spTree>
+      <p:nvGrpSpPr>
+        <p:cNvPr id="1" name=""/>
+        <p:cNvGrpSpPr/>
+        <p:nvPr/>
+      </p:nvGrpSpPr>
+      <p:grpSpPr>
+        <a:xfrm>
+          <a:off x="0" y="0"/>
+          <a:ext cx="0" cy="0"/>
+          <a:chOff x="0" y="0"/>
+          <a:chExt cx="0" cy="0"/>
+        </a:xfrm>
+      </p:grpSpPr>
+      <p:sp>
+        <p:nvSpPr>
+          <p:cNvPr id="2" name="标题 1">
+            <a:extLst>
+              <a:ext uri="{FF2B5EF4-FFF2-40B4-BE49-F238E27FC236}">
+                <a16:creationId xmlns:a16="http://schemas.microsoft.com/office/drawing/2014/main" id="{F572D062-04B5-480F-EF09-FC98E8D0C826}"/>
+              </a:ext>
+            </a:extLst>
+          </p:cNvPr>
+          <p:cNvSpPr>
+            <a:spLocks noGrp="1"/>
+          </p:cNvSpPr>
+          <p:nvPr>
+            <p:ph type="title"/>
+          </p:nvPr>
+        </p:nvSpPr>
+        <p:spPr/>
+        <p:txBody>
+          <a:bodyPr/>
+          <a:lstStyle/>
+          <a:p>
+            <a:r>
+              <a:rPr lang="en-US" altLang="zh-CN" dirty="0" err="1"/>
+              <a:t>error_value</a:t>
+            </a:r>
+            <a:r>
+              <a:rPr lang="en-US" altLang="zh-CN" dirty="0"/>
+              <a:t> &amp; </a:t>
+            </a:r>
+            <a:r>
+              <a:rPr lang="en-US" altLang="zh-CN" dirty="0" err="1"/>
+              <a:t>csv_utils</a:t>
+            </a:r>
+            <a:endParaRPr lang="zh-CN" altLang="en-US" dirty="0"/>
+          </a:p>
+        </p:txBody>
+      </p:sp>
+      <p:pic>
+        <p:nvPicPr>
+          <p:cNvPr id="5" name="内容占位符 4">
+            <a:extLst>
+              <a:ext uri="{FF2B5EF4-FFF2-40B4-BE49-F238E27FC236}">
+                <a16:creationId xmlns:a16="http://schemas.microsoft.com/office/drawing/2014/main" id="{34065D16-8363-EE49-15D9-6B9609AE964B}"/>
+              </a:ext>
+            </a:extLst>
+          </p:cNvPr>
+          <p:cNvPicPr>
+            <a:picLocks noGrp="1" noChangeAspect="1"/>
+          </p:cNvPicPr>
+          <p:nvPr>
+            <p:ph idx="1"/>
+          </p:nvPr>
+        </p:nvPicPr>
+        <p:blipFill>
+          <a:blip r:embed="rId2"/>
+          <a:stretch>
+            <a:fillRect/>
+          </a:stretch>
+        </p:blipFill>
+        <p:spPr>
+          <a:xfrm>
+            <a:off x="1502104" y="1162050"/>
+            <a:ext cx="9187792" cy="5286375"/>
+          </a:xfrm>
+        </p:spPr>
+      </p:pic>
+    </p:spTree>
+    <p:extLst>
+      <p:ext uri="{BB962C8B-B14F-4D97-AF65-F5344CB8AC3E}">
+        <p14:creationId xmlns:p14="http://schemas.microsoft.com/office/powerpoint/2010/main" val="2668853142"/>
+      </p:ext>
+    </p:extLst>
+  </p:cSld>
+  <p:clrMapOvr>
+    <a:masterClrMapping/>
+  </p:clrMapOvr>
+</p:sld>
+</file>
+
+<file path=ppt/slides/slide4.xml><?xml version="1.0" encoding="utf-8"?>
+<p:sld xmlns:a="http://schemas.openxmlformats.org/drawingml/2006/main" xmlns:r="http://schemas.openxmlformats.org/officeDocument/2006/relationships" xmlns:p="http://schemas.openxmlformats.org/presentationml/2006/main">
+  <p:cSld>
+    <p:spTree>
+      <p:nvGrpSpPr>
+        <p:cNvPr id="1" name="">
+          <a:extLst>
+            <a:ext uri="{FF2B5EF4-FFF2-40B4-BE49-F238E27FC236}">
+              <a16:creationId xmlns:a16="http://schemas.microsoft.com/office/drawing/2014/main" id="{7875B59B-4952-9895-3938-AD507875464A}"/>
+            </a:ext>
+          </a:extLst>
+        </p:cNvPr>
+        <p:cNvGrpSpPr/>
+        <p:nvPr/>
+      </p:nvGrpSpPr>
+      <p:grpSpPr>
+        <a:xfrm>
+          <a:off x="0" y="0"/>
+          <a:ext cx="0" cy="0"/>
+          <a:chOff x="0" y="0"/>
+          <a:chExt cx="0" cy="0"/>
+        </a:xfrm>
+      </p:grpSpPr>
+      <p:sp>
+        <p:nvSpPr>
+          <p:cNvPr id="2" name="标题 1">
+            <a:extLst>
+              <a:ext uri="{FF2B5EF4-FFF2-40B4-BE49-F238E27FC236}">
+                <a16:creationId xmlns:a16="http://schemas.microsoft.com/office/drawing/2014/main" id="{AF1C4717-7EF0-E7A3-3BA8-D249FBE8549F}"/>
+              </a:ext>
+            </a:extLst>
+          </p:cNvPr>
+          <p:cNvSpPr>
+            <a:spLocks noGrp="1"/>
+          </p:cNvSpPr>
+          <p:nvPr>
+            <p:ph type="title"/>
+          </p:nvPr>
+        </p:nvSpPr>
+        <p:spPr/>
+        <p:txBody>
+          <a:bodyPr/>
+          <a:lstStyle/>
+          <a:p>
+            <a:r>
+              <a:rPr lang="en-US" altLang="zh-CN" dirty="0" err="1"/>
+              <a:t>error_value</a:t>
+            </a:r>
+            <a:r>
+              <a:rPr lang="en-US" altLang="zh-CN" dirty="0"/>
+              <a:t> &amp; </a:t>
+            </a:r>
+            <a:r>
+              <a:rPr lang="en-US" altLang="zh-CN" dirty="0" err="1"/>
+              <a:t>csv_utils</a:t>
+            </a:r>
+            <a:endParaRPr lang="zh-CN" altLang="en-US" dirty="0"/>
+          </a:p>
+        </p:txBody>
+      </p:sp>
+      <p:pic>
+        <p:nvPicPr>
+          <p:cNvPr id="5" name="内容占位符 4">
+            <a:extLst>
+              <a:ext uri="{FF2B5EF4-FFF2-40B4-BE49-F238E27FC236}">
+                <a16:creationId xmlns:a16="http://schemas.microsoft.com/office/drawing/2014/main" id="{376AC720-D331-DD19-FCCC-D3EC98B7C6C4}"/>
+              </a:ext>
+            </a:extLst>
+          </p:cNvPr>
+          <p:cNvPicPr>
+            <a:picLocks noGrp="1" noChangeAspect="1"/>
+          </p:cNvPicPr>
+          <p:nvPr>
+            <p:ph idx="1"/>
+          </p:nvPr>
+        </p:nvPicPr>
+        <p:blipFill>
+          <a:blip r:embed="rId2">
+            <a:extLst>
+              <a:ext uri="{28A0092B-C50C-407E-A947-70E740481C1C}">
+                <a14:useLocalDpi xmlns:a14="http://schemas.microsoft.com/office/drawing/2010/main" val="0"/>
+              </a:ext>
+            </a:extLst>
+          </a:blip>
+          <a:srcRect/>
+          <a:stretch/>
+        </p:blipFill>
+        <p:spPr>
+          <a:xfrm>
+            <a:off x="1502104" y="1151540"/>
+            <a:ext cx="9187792" cy="5286375"/>
+          </a:xfrm>
+        </p:spPr>
+      </p:pic>
+    </p:spTree>
+    <p:extLst>
+      <p:ext uri="{BB962C8B-B14F-4D97-AF65-F5344CB8AC3E}">
+        <p14:creationId xmlns:p14="http://schemas.microsoft.com/office/powerpoint/2010/main" val="1635829672"/>
+      </p:ext>
+    </p:extLst>
+  </p:cSld>
+  <p:clrMapOvr>
+    <a:masterClrMapping/>
+  </p:clrMapOvr>
+</p:sld>
+</file>
+
+<file path=ppt/slides/slide5.xml><?xml version="1.0" encoding="utf-8"?>
+<p:sld xmlns:a="http://schemas.openxmlformats.org/drawingml/2006/main" xmlns:r="http://schemas.openxmlformats.org/officeDocument/2006/relationships" xmlns:p="http://schemas.openxmlformats.org/presentationml/2006/main">
+  <p:cSld>
+    <p:spTree>
+      <p:nvGrpSpPr>
+        <p:cNvPr id="1" name=""/>
+        <p:cNvGrpSpPr/>
+        <p:nvPr/>
+      </p:nvGrpSpPr>
+      <p:grpSpPr>
+        <a:xfrm>
+          <a:off x="0" y="0"/>
+          <a:ext cx="0" cy="0"/>
+          <a:chOff x="0" y="0"/>
+          <a:chExt cx="0" cy="0"/>
+        </a:xfrm>
+      </p:grpSpPr>
+      <p:sp>
+        <p:nvSpPr>
+          <p:cNvPr id="2" name="标题 1">
+            <a:extLst>
+              <a:ext uri="{FF2B5EF4-FFF2-40B4-BE49-F238E27FC236}">
+                <a16:creationId xmlns:a16="http://schemas.microsoft.com/office/drawing/2014/main" id="{130AFD6B-9169-BB12-C464-D0414600B15F}"/>
+              </a:ext>
+            </a:extLst>
+          </p:cNvPr>
+          <p:cNvSpPr>
+            <a:spLocks noGrp="1"/>
+          </p:cNvSpPr>
+          <p:nvPr>
+            <p:ph type="title"/>
+          </p:nvPr>
+        </p:nvSpPr>
+        <p:spPr/>
+        <p:txBody>
+          <a:bodyPr/>
+          <a:lstStyle/>
+          <a:p>
+            <a:r>
+              <a:rPr lang="en-US" altLang="zh-CN" dirty="0" err="1"/>
+              <a:t>f_csv_html</a:t>
+            </a:r>
+            <a:endParaRPr lang="zh-CN" altLang="en-US" dirty="0"/>
+          </a:p>
+        </p:txBody>
+      </p:sp>
+      <p:pic>
+        <p:nvPicPr>
+          <p:cNvPr id="5" name="内容占位符 4">
+            <a:extLst>
+              <a:ext uri="{FF2B5EF4-FFF2-40B4-BE49-F238E27FC236}">
+                <a16:creationId xmlns:a16="http://schemas.microsoft.com/office/drawing/2014/main" id="{BE331F8D-18E2-B835-C79C-7EF944DC8BA6}"/>
+              </a:ext>
+            </a:extLst>
+          </p:cNvPr>
+          <p:cNvPicPr>
+            <a:picLocks noGrp="1" noChangeAspect="1"/>
+          </p:cNvPicPr>
+          <p:nvPr>
+            <p:ph idx="1"/>
+          </p:nvPr>
+        </p:nvPicPr>
+        <p:blipFill>
+          <a:blip r:embed="rId2"/>
+          <a:stretch>
+            <a:fillRect/>
+          </a:stretch>
+        </p:blipFill>
+        <p:spPr>
+          <a:xfrm>
+            <a:off x="2517776" y="1162050"/>
+            <a:ext cx="7156447" cy="5286375"/>
+          </a:xfrm>
+        </p:spPr>
+      </p:pic>
+    </p:spTree>
+    <p:extLst>
+      <p:ext uri="{BB962C8B-B14F-4D97-AF65-F5344CB8AC3E}">
+        <p14:creationId xmlns:p14="http://schemas.microsoft.com/office/powerpoint/2010/main" val="382710066"/>
       </p:ext>
     </p:extLst>
   </p:cSld>

--- a/模板.pptx
+++ b/模板.pptx
@@ -5,14 +5,10 @@
     <p:sldMasterId id="2147483660" r:id="rId1"/>
   </p:sldMasterIdLst>
   <p:notesMasterIdLst>
-    <p:notesMasterId r:id="rId7"/>
+    <p:notesMasterId r:id="rId3"/>
   </p:notesMasterIdLst>
   <p:sldIdLst>
     <p:sldId id="256" r:id="rId2"/>
-    <p:sldId id="257" r:id="rId3"/>
-    <p:sldId id="258" r:id="rId4"/>
-    <p:sldId id="259" r:id="rId5"/>
-    <p:sldId id="260" r:id="rId6"/>
   </p:sldIdLst>
   <p:sldSz cx="12192000" cy="6858000"/>
   <p:notesSz cx="6858000" cy="9144000"/>
@@ -111,11 +107,6 @@
       </a:defRPr>
     </a:lvl9pPr>
   </p:defaultTextStyle>
-  <p:extLst>
-    <p:ext uri="{EFAFB233-063F-42B5-8137-9DF3F51BA10A}">
-      <p15:sldGuideLst xmlns:p15="http://schemas.microsoft.com/office/powerpoint/2012/main"/>
-    </p:ext>
-  </p:extLst>
 </p:presentation>
 </file>
 
@@ -201,7 +192,7 @@
           <a:p>
             <a:fld id="{A95DAAA7-2421-4796-B52D-4C2B2BDF460B}" type="datetimeFigureOut">
               <a:rPr lang="zh-CN" altLang="en-US" smtClean="0"/>
-              <a:t>2024/12/6</a:t>
+              <a:t>2024/11/14</a:t>
             </a:fld>
             <a:endParaRPr lang="zh-CN" altLang="en-US"/>
           </a:p>
@@ -2498,10 +2489,7 @@
           <a:bodyPr/>
           <a:lstStyle/>
           <a:p>
-            <a:r>
-              <a:rPr lang="zh-CN" altLang="en-US" dirty="0"/>
-              <a:t>工作总结</a:t>
-            </a:r>
+            <a:endParaRPr lang="zh-CN" altLang="en-US"/>
           </a:p>
         </p:txBody>
       </p:sp>
@@ -2534,425 +2522,6 @@
     <p:extLst>
       <p:ext uri="{BB962C8B-B14F-4D97-AF65-F5344CB8AC3E}">
         <p14:creationId xmlns:p14="http://schemas.microsoft.com/office/powerpoint/2010/main" val="1262576849"/>
-      </p:ext>
-    </p:extLst>
-  </p:cSld>
-  <p:clrMapOvr>
-    <a:masterClrMapping/>
-  </p:clrMapOvr>
-</p:sld>
-</file>
-
-<file path=ppt/slides/slide2.xml><?xml version="1.0" encoding="utf-8"?>
-<p:sld xmlns:a="http://schemas.openxmlformats.org/drawingml/2006/main" xmlns:r="http://schemas.openxmlformats.org/officeDocument/2006/relationships" xmlns:p="http://schemas.openxmlformats.org/presentationml/2006/main">
-  <p:cSld>
-    <p:spTree>
-      <p:nvGrpSpPr>
-        <p:cNvPr id="1" name=""/>
-        <p:cNvGrpSpPr/>
-        <p:nvPr/>
-      </p:nvGrpSpPr>
-      <p:grpSpPr>
-        <a:xfrm>
-          <a:off x="0" y="0"/>
-          <a:ext cx="0" cy="0"/>
-          <a:chOff x="0" y="0"/>
-          <a:chExt cx="0" cy="0"/>
-        </a:xfrm>
-      </p:grpSpPr>
-      <p:sp>
-        <p:nvSpPr>
-          <p:cNvPr id="3" name="标题 2">
-            <a:extLst>
-              <a:ext uri="{FF2B5EF4-FFF2-40B4-BE49-F238E27FC236}">
-                <a16:creationId xmlns:a16="http://schemas.microsoft.com/office/drawing/2014/main" id="{526194DA-7A54-3BE7-FF29-421128135BBF}"/>
-              </a:ext>
-            </a:extLst>
-          </p:cNvPr>
-          <p:cNvSpPr>
-            <a:spLocks noGrp="1"/>
-          </p:cNvSpPr>
-          <p:nvPr>
-            <p:ph type="title"/>
-          </p:nvPr>
-        </p:nvSpPr>
-        <p:spPr/>
-        <p:txBody>
-          <a:bodyPr/>
-          <a:lstStyle/>
-          <a:p>
-            <a:r>
-              <a:rPr lang="zh-CN" altLang="en-US" dirty="0"/>
-              <a:t>观测数据的多表合并</a:t>
-            </a:r>
-          </a:p>
-        </p:txBody>
-      </p:sp>
-      <p:sp>
-        <p:nvSpPr>
-          <p:cNvPr id="4" name="内容占位符 3">
-            <a:extLst>
-              <a:ext uri="{FF2B5EF4-FFF2-40B4-BE49-F238E27FC236}">
-                <a16:creationId xmlns:a16="http://schemas.microsoft.com/office/drawing/2014/main" id="{A1BC5607-C514-72AC-BEA8-8EDA6295153A}"/>
-              </a:ext>
-            </a:extLst>
-          </p:cNvPr>
-          <p:cNvSpPr>
-            <a:spLocks noGrp="1"/>
-          </p:cNvSpPr>
-          <p:nvPr>
-            <p:ph idx="1"/>
-          </p:nvPr>
-        </p:nvSpPr>
-        <p:spPr/>
-        <p:txBody>
-          <a:bodyPr/>
-          <a:lstStyle/>
-          <a:p>
-            <a:r>
-              <a:rPr lang="zh-CN" altLang="en-US" dirty="0"/>
-              <a:t>伽利略卫星</a:t>
-            </a:r>
-            <a:endParaRPr lang="en-US" altLang="zh-CN" dirty="0"/>
-          </a:p>
-          <a:p>
-            <a:pPr lvl="1"/>
-            <a:r>
-              <a:rPr lang="en-US" altLang="zh-CN" dirty="0"/>
-              <a:t>Jg0001….</a:t>
-            </a:r>
-          </a:p>
-          <a:p>
-            <a:r>
-              <a:rPr lang="zh-CN" altLang="en-US" dirty="0"/>
-              <a:t>木星内部</a:t>
-            </a:r>
-            <a:endParaRPr lang="en-US" altLang="zh-CN" dirty="0"/>
-          </a:p>
-          <a:p>
-            <a:pPr lvl="1"/>
-            <a:r>
-              <a:rPr lang="en-US" altLang="zh-CN" dirty="0"/>
-              <a:t>Ji0001….</a:t>
-            </a:r>
-          </a:p>
-          <a:p>
-            <a:r>
-              <a:rPr lang="zh-CN" altLang="en-US" dirty="0"/>
-              <a:t>木星外部</a:t>
-            </a:r>
-            <a:endParaRPr lang="en-US" altLang="zh-CN" dirty="0"/>
-          </a:p>
-          <a:p>
-            <a:pPr lvl="1"/>
-            <a:r>
-              <a:rPr lang="en-US" altLang="zh-CN" dirty="0"/>
-              <a:t>Jo0001….</a:t>
-            </a:r>
-          </a:p>
-          <a:p>
-            <a:pPr marL="0" indent="0">
-              <a:buNone/>
-            </a:pPr>
-            <a:endParaRPr lang="zh-CN" altLang="en-US" dirty="0"/>
-          </a:p>
-        </p:txBody>
-      </p:sp>
-    </p:spTree>
-    <p:extLst>
-      <p:ext uri="{BB962C8B-B14F-4D97-AF65-F5344CB8AC3E}">
-        <p14:creationId xmlns:p14="http://schemas.microsoft.com/office/powerpoint/2010/main" val="2990281350"/>
-      </p:ext>
-    </p:extLst>
-  </p:cSld>
-  <p:clrMapOvr>
-    <a:masterClrMapping/>
-  </p:clrMapOvr>
-</p:sld>
-</file>
-
-<file path=ppt/slides/slide3.xml><?xml version="1.0" encoding="utf-8"?>
-<p:sld xmlns:a="http://schemas.openxmlformats.org/drawingml/2006/main" xmlns:r="http://schemas.openxmlformats.org/officeDocument/2006/relationships" xmlns:p="http://schemas.openxmlformats.org/presentationml/2006/main">
-  <p:cSld>
-    <p:spTree>
-      <p:nvGrpSpPr>
-        <p:cNvPr id="1" name=""/>
-        <p:cNvGrpSpPr/>
-        <p:nvPr/>
-      </p:nvGrpSpPr>
-      <p:grpSpPr>
-        <a:xfrm>
-          <a:off x="0" y="0"/>
-          <a:ext cx="0" cy="0"/>
-          <a:chOff x="0" y="0"/>
-          <a:chExt cx="0" cy="0"/>
-        </a:xfrm>
-      </p:grpSpPr>
-      <p:sp>
-        <p:nvSpPr>
-          <p:cNvPr id="2" name="标题 1">
-            <a:extLst>
-              <a:ext uri="{FF2B5EF4-FFF2-40B4-BE49-F238E27FC236}">
-                <a16:creationId xmlns:a16="http://schemas.microsoft.com/office/drawing/2014/main" id="{F572D062-04B5-480F-EF09-FC98E8D0C826}"/>
-              </a:ext>
-            </a:extLst>
-          </p:cNvPr>
-          <p:cNvSpPr>
-            <a:spLocks noGrp="1"/>
-          </p:cNvSpPr>
-          <p:nvPr>
-            <p:ph type="title"/>
-          </p:nvPr>
-        </p:nvSpPr>
-        <p:spPr/>
-        <p:txBody>
-          <a:bodyPr/>
-          <a:lstStyle/>
-          <a:p>
-            <a:r>
-              <a:rPr lang="en-US" altLang="zh-CN" dirty="0" err="1"/>
-              <a:t>error_value</a:t>
-            </a:r>
-            <a:r>
-              <a:rPr lang="en-US" altLang="zh-CN" dirty="0"/>
-              <a:t> &amp; </a:t>
-            </a:r>
-            <a:r>
-              <a:rPr lang="en-US" altLang="zh-CN" dirty="0" err="1"/>
-              <a:t>csv_utils</a:t>
-            </a:r>
-            <a:endParaRPr lang="zh-CN" altLang="en-US" dirty="0"/>
-          </a:p>
-        </p:txBody>
-      </p:sp>
-      <p:pic>
-        <p:nvPicPr>
-          <p:cNvPr id="5" name="内容占位符 4">
-            <a:extLst>
-              <a:ext uri="{FF2B5EF4-FFF2-40B4-BE49-F238E27FC236}">
-                <a16:creationId xmlns:a16="http://schemas.microsoft.com/office/drawing/2014/main" id="{34065D16-8363-EE49-15D9-6B9609AE964B}"/>
-              </a:ext>
-            </a:extLst>
-          </p:cNvPr>
-          <p:cNvPicPr>
-            <a:picLocks noGrp="1" noChangeAspect="1"/>
-          </p:cNvPicPr>
-          <p:nvPr>
-            <p:ph idx="1"/>
-          </p:nvPr>
-        </p:nvPicPr>
-        <p:blipFill>
-          <a:blip r:embed="rId2"/>
-          <a:stretch>
-            <a:fillRect/>
-          </a:stretch>
-        </p:blipFill>
-        <p:spPr>
-          <a:xfrm>
-            <a:off x="1502104" y="1162050"/>
-            <a:ext cx="9187792" cy="5286375"/>
-          </a:xfrm>
-        </p:spPr>
-      </p:pic>
-    </p:spTree>
-    <p:extLst>
-      <p:ext uri="{BB962C8B-B14F-4D97-AF65-F5344CB8AC3E}">
-        <p14:creationId xmlns:p14="http://schemas.microsoft.com/office/powerpoint/2010/main" val="2668853142"/>
-      </p:ext>
-    </p:extLst>
-  </p:cSld>
-  <p:clrMapOvr>
-    <a:masterClrMapping/>
-  </p:clrMapOvr>
-</p:sld>
-</file>
-
-<file path=ppt/slides/slide4.xml><?xml version="1.0" encoding="utf-8"?>
-<p:sld xmlns:a="http://schemas.openxmlformats.org/drawingml/2006/main" xmlns:r="http://schemas.openxmlformats.org/officeDocument/2006/relationships" xmlns:p="http://schemas.openxmlformats.org/presentationml/2006/main">
-  <p:cSld>
-    <p:spTree>
-      <p:nvGrpSpPr>
-        <p:cNvPr id="1" name="">
-          <a:extLst>
-            <a:ext uri="{FF2B5EF4-FFF2-40B4-BE49-F238E27FC236}">
-              <a16:creationId xmlns:a16="http://schemas.microsoft.com/office/drawing/2014/main" id="{7875B59B-4952-9895-3938-AD507875464A}"/>
-            </a:ext>
-          </a:extLst>
-        </p:cNvPr>
-        <p:cNvGrpSpPr/>
-        <p:nvPr/>
-      </p:nvGrpSpPr>
-      <p:grpSpPr>
-        <a:xfrm>
-          <a:off x="0" y="0"/>
-          <a:ext cx="0" cy="0"/>
-          <a:chOff x="0" y="0"/>
-          <a:chExt cx="0" cy="0"/>
-        </a:xfrm>
-      </p:grpSpPr>
-      <p:sp>
-        <p:nvSpPr>
-          <p:cNvPr id="2" name="标题 1">
-            <a:extLst>
-              <a:ext uri="{FF2B5EF4-FFF2-40B4-BE49-F238E27FC236}">
-                <a16:creationId xmlns:a16="http://schemas.microsoft.com/office/drawing/2014/main" id="{AF1C4717-7EF0-E7A3-3BA8-D249FBE8549F}"/>
-              </a:ext>
-            </a:extLst>
-          </p:cNvPr>
-          <p:cNvSpPr>
-            <a:spLocks noGrp="1"/>
-          </p:cNvSpPr>
-          <p:nvPr>
-            <p:ph type="title"/>
-          </p:nvPr>
-        </p:nvSpPr>
-        <p:spPr/>
-        <p:txBody>
-          <a:bodyPr/>
-          <a:lstStyle/>
-          <a:p>
-            <a:r>
-              <a:rPr lang="en-US" altLang="zh-CN" dirty="0" err="1"/>
-              <a:t>error_value</a:t>
-            </a:r>
-            <a:r>
-              <a:rPr lang="en-US" altLang="zh-CN" dirty="0"/>
-              <a:t> &amp; </a:t>
-            </a:r>
-            <a:r>
-              <a:rPr lang="en-US" altLang="zh-CN" dirty="0" err="1"/>
-              <a:t>csv_utils</a:t>
-            </a:r>
-            <a:endParaRPr lang="zh-CN" altLang="en-US" dirty="0"/>
-          </a:p>
-        </p:txBody>
-      </p:sp>
-      <p:pic>
-        <p:nvPicPr>
-          <p:cNvPr id="5" name="内容占位符 4">
-            <a:extLst>
-              <a:ext uri="{FF2B5EF4-FFF2-40B4-BE49-F238E27FC236}">
-                <a16:creationId xmlns:a16="http://schemas.microsoft.com/office/drawing/2014/main" id="{376AC720-D331-DD19-FCCC-D3EC98B7C6C4}"/>
-              </a:ext>
-            </a:extLst>
-          </p:cNvPr>
-          <p:cNvPicPr>
-            <a:picLocks noGrp="1" noChangeAspect="1"/>
-          </p:cNvPicPr>
-          <p:nvPr>
-            <p:ph idx="1"/>
-          </p:nvPr>
-        </p:nvPicPr>
-        <p:blipFill>
-          <a:blip r:embed="rId2">
-            <a:extLst>
-              <a:ext uri="{28A0092B-C50C-407E-A947-70E740481C1C}">
-                <a14:useLocalDpi xmlns:a14="http://schemas.microsoft.com/office/drawing/2010/main" val="0"/>
-              </a:ext>
-            </a:extLst>
-          </a:blip>
-          <a:srcRect/>
-          <a:stretch/>
-        </p:blipFill>
-        <p:spPr>
-          <a:xfrm>
-            <a:off x="1502104" y="1151540"/>
-            <a:ext cx="9187792" cy="5286375"/>
-          </a:xfrm>
-        </p:spPr>
-      </p:pic>
-    </p:spTree>
-    <p:extLst>
-      <p:ext uri="{BB962C8B-B14F-4D97-AF65-F5344CB8AC3E}">
-        <p14:creationId xmlns:p14="http://schemas.microsoft.com/office/powerpoint/2010/main" val="1635829672"/>
-      </p:ext>
-    </p:extLst>
-  </p:cSld>
-  <p:clrMapOvr>
-    <a:masterClrMapping/>
-  </p:clrMapOvr>
-</p:sld>
-</file>
-
-<file path=ppt/slides/slide5.xml><?xml version="1.0" encoding="utf-8"?>
-<p:sld xmlns:a="http://schemas.openxmlformats.org/drawingml/2006/main" xmlns:r="http://schemas.openxmlformats.org/officeDocument/2006/relationships" xmlns:p="http://schemas.openxmlformats.org/presentationml/2006/main">
-  <p:cSld>
-    <p:spTree>
-      <p:nvGrpSpPr>
-        <p:cNvPr id="1" name=""/>
-        <p:cNvGrpSpPr/>
-        <p:nvPr/>
-      </p:nvGrpSpPr>
-      <p:grpSpPr>
-        <a:xfrm>
-          <a:off x="0" y="0"/>
-          <a:ext cx="0" cy="0"/>
-          <a:chOff x="0" y="0"/>
-          <a:chExt cx="0" cy="0"/>
-        </a:xfrm>
-      </p:grpSpPr>
-      <p:sp>
-        <p:nvSpPr>
-          <p:cNvPr id="2" name="标题 1">
-            <a:extLst>
-              <a:ext uri="{FF2B5EF4-FFF2-40B4-BE49-F238E27FC236}">
-                <a16:creationId xmlns:a16="http://schemas.microsoft.com/office/drawing/2014/main" id="{130AFD6B-9169-BB12-C464-D0414600B15F}"/>
-              </a:ext>
-            </a:extLst>
-          </p:cNvPr>
-          <p:cNvSpPr>
-            <a:spLocks noGrp="1"/>
-          </p:cNvSpPr>
-          <p:nvPr>
-            <p:ph type="title"/>
-          </p:nvPr>
-        </p:nvSpPr>
-        <p:spPr/>
-        <p:txBody>
-          <a:bodyPr/>
-          <a:lstStyle/>
-          <a:p>
-            <a:r>
-              <a:rPr lang="en-US" altLang="zh-CN" dirty="0" err="1"/>
-              <a:t>f_csv_html</a:t>
-            </a:r>
-            <a:endParaRPr lang="zh-CN" altLang="en-US" dirty="0"/>
-          </a:p>
-        </p:txBody>
-      </p:sp>
-      <p:pic>
-        <p:nvPicPr>
-          <p:cNvPr id="5" name="内容占位符 4">
-            <a:extLst>
-              <a:ext uri="{FF2B5EF4-FFF2-40B4-BE49-F238E27FC236}">
-                <a16:creationId xmlns:a16="http://schemas.microsoft.com/office/drawing/2014/main" id="{BE331F8D-18E2-B835-C79C-7EF944DC8BA6}"/>
-              </a:ext>
-            </a:extLst>
-          </p:cNvPr>
-          <p:cNvPicPr>
-            <a:picLocks noGrp="1" noChangeAspect="1"/>
-          </p:cNvPicPr>
-          <p:nvPr>
-            <p:ph idx="1"/>
-          </p:nvPr>
-        </p:nvPicPr>
-        <p:blipFill>
-          <a:blip r:embed="rId2"/>
-          <a:stretch>
-            <a:fillRect/>
-          </a:stretch>
-        </p:blipFill>
-        <p:spPr>
-          <a:xfrm>
-            <a:off x="2517776" y="1162050"/>
-            <a:ext cx="7156447" cy="5286375"/>
-          </a:xfrm>
-        </p:spPr>
-      </p:pic>
-    </p:spTree>
-    <p:extLst>
-      <p:ext uri="{BB962C8B-B14F-4D97-AF65-F5344CB8AC3E}">
-        <p14:creationId xmlns:p14="http://schemas.microsoft.com/office/powerpoint/2010/main" val="382710066"/>
       </p:ext>
     </p:extLst>
   </p:cSld>
